--- a/Part 3/Slides part 3.pptx
+++ b/Part 3/Slides part 3.pptx
@@ -4,6 +4,9 @@
   <p:sldMasterIdLst>
     <p:sldMasterId id="2147483648" r:id="rId1"/>
   </p:sldMasterIdLst>
+  <p:notesMasterIdLst>
+    <p:notesMasterId r:id="rId13"/>
+  </p:notesMasterIdLst>
   <p:sldIdLst>
     <p:sldId id="256" r:id="rId2"/>
     <p:sldId id="257" r:id="rId3"/>
@@ -12,9 +15,10 @@
     <p:sldId id="263" r:id="rId6"/>
     <p:sldId id="265" r:id="rId7"/>
     <p:sldId id="258" r:id="rId8"/>
-    <p:sldId id="259" r:id="rId9"/>
-    <p:sldId id="261" r:id="rId10"/>
-    <p:sldId id="260" r:id="rId11"/>
+    <p:sldId id="269" r:id="rId9"/>
+    <p:sldId id="270" r:id="rId10"/>
+    <p:sldId id="261" r:id="rId11"/>
+    <p:sldId id="260" r:id="rId12"/>
   </p:sldIdLst>
   <p:sldSz cx="12192000" cy="6858000"/>
   <p:notesSz cx="6858000" cy="9144000"/>
@@ -571,6 +575,443 @@
 </pc:chgInfo>
 </file>
 
+<file path=ppt/notesMasters/notesMaster1.xml><?xml version="1.0" encoding="utf-8"?>
+<p:notesMaster xmlns:a="http://schemas.openxmlformats.org/drawingml/2006/main" xmlns:r="http://schemas.openxmlformats.org/officeDocument/2006/relationships" xmlns:p="http://schemas.openxmlformats.org/presentationml/2006/main">
+  <p:cSld>
+    <p:bg>
+      <p:bgRef idx="1001">
+        <a:schemeClr val="bg1"/>
+      </p:bgRef>
+    </p:bg>
+    <p:spTree>
+      <p:nvGrpSpPr>
+        <p:cNvPr id="1" name=""/>
+        <p:cNvGrpSpPr/>
+        <p:nvPr/>
+      </p:nvGrpSpPr>
+      <p:grpSpPr>
+        <a:xfrm>
+          <a:off x="0" y="0"/>
+          <a:ext cx="0" cy="0"/>
+          <a:chOff x="0" y="0"/>
+          <a:chExt cx="0" cy="0"/>
+        </a:xfrm>
+      </p:grpSpPr>
+      <p:sp>
+        <p:nvSpPr>
+          <p:cNvPr id="2" name="Header Placeholder 1"/>
+          <p:cNvSpPr>
+            <a:spLocks noGrp="1"/>
+          </p:cNvSpPr>
+          <p:nvPr>
+            <p:ph type="hdr" sz="quarter"/>
+          </p:nvPr>
+        </p:nvSpPr>
+        <p:spPr>
+          <a:xfrm>
+            <a:off x="0" y="0"/>
+            <a:ext cx="2971800" cy="458788"/>
+          </a:xfrm>
+          <a:prstGeom prst="rect">
+            <a:avLst/>
+          </a:prstGeom>
+        </p:spPr>
+        <p:txBody>
+          <a:bodyPr vert="horz" lIns="91440" tIns="45720" rIns="91440" bIns="45720" rtlCol="0"/>
+          <a:lstStyle>
+            <a:lvl1pPr algn="l">
+              <a:defRPr sz="1200"/>
+            </a:lvl1pPr>
+          </a:lstStyle>
+          <a:p>
+            <a:endParaRPr lang="en-US"/>
+          </a:p>
+        </p:txBody>
+      </p:sp>
+      <p:sp>
+        <p:nvSpPr>
+          <p:cNvPr id="3" name="Date Placeholder 2"/>
+          <p:cNvSpPr>
+            <a:spLocks noGrp="1"/>
+          </p:cNvSpPr>
+          <p:nvPr>
+            <p:ph type="dt" idx="1"/>
+          </p:nvPr>
+        </p:nvSpPr>
+        <p:spPr>
+          <a:xfrm>
+            <a:off x="3884613" y="0"/>
+            <a:ext cx="2971800" cy="458788"/>
+          </a:xfrm>
+          <a:prstGeom prst="rect">
+            <a:avLst/>
+          </a:prstGeom>
+        </p:spPr>
+        <p:txBody>
+          <a:bodyPr vert="horz" lIns="91440" tIns="45720" rIns="91440" bIns="45720" rtlCol="0"/>
+          <a:lstStyle>
+            <a:lvl1pPr algn="r">
+              <a:defRPr sz="1200"/>
+            </a:lvl1pPr>
+          </a:lstStyle>
+          <a:p>
+            <a:fld id="{CDC60390-036B-294B-AC28-6A9BF4A1BCE9}" type="datetimeFigureOut">
+              <a:rPr lang="en-US" smtClean="0"/>
+              <a:t>5/19/24</a:t>
+            </a:fld>
+            <a:endParaRPr lang="en-US"/>
+          </a:p>
+        </p:txBody>
+      </p:sp>
+      <p:sp>
+        <p:nvSpPr>
+          <p:cNvPr id="4" name="Slide Image Placeholder 3"/>
+          <p:cNvSpPr>
+            <a:spLocks noGrp="1" noRot="1" noChangeAspect="1"/>
+          </p:cNvSpPr>
+          <p:nvPr>
+            <p:ph type="sldImg" idx="2"/>
+          </p:nvPr>
+        </p:nvSpPr>
+        <p:spPr>
+          <a:xfrm>
+            <a:off x="685800" y="1143000"/>
+            <a:ext cx="5486400" cy="3086100"/>
+          </a:xfrm>
+          <a:prstGeom prst="rect">
+            <a:avLst/>
+          </a:prstGeom>
+          <a:noFill/>
+          <a:ln w="12700">
+            <a:solidFill>
+              <a:prstClr val="black"/>
+            </a:solidFill>
+          </a:ln>
+        </p:spPr>
+        <p:txBody>
+          <a:bodyPr vert="horz" lIns="91440" tIns="45720" rIns="91440" bIns="45720" rtlCol="0" anchor="ctr"/>
+          <a:lstStyle/>
+          <a:p>
+            <a:endParaRPr lang="en-US"/>
+          </a:p>
+        </p:txBody>
+      </p:sp>
+      <p:sp>
+        <p:nvSpPr>
+          <p:cNvPr id="5" name="Notes Placeholder 4"/>
+          <p:cNvSpPr>
+            <a:spLocks noGrp="1"/>
+          </p:cNvSpPr>
+          <p:nvPr>
+            <p:ph type="body" sz="quarter" idx="3"/>
+          </p:nvPr>
+        </p:nvSpPr>
+        <p:spPr>
+          <a:xfrm>
+            <a:off x="685800" y="4400550"/>
+            <a:ext cx="5486400" cy="3600450"/>
+          </a:xfrm>
+          <a:prstGeom prst="rect">
+            <a:avLst/>
+          </a:prstGeom>
+        </p:spPr>
+        <p:txBody>
+          <a:bodyPr vert="horz" lIns="91440" tIns="45720" rIns="91440" bIns="45720" rtlCol="0"/>
+          <a:lstStyle/>
+          <a:p>
+            <a:pPr lvl="0"/>
+            <a:r>
+              <a:rPr lang="en-GB"/>
+              <a:t>Click to edit Master text styles</a:t>
+            </a:r>
+          </a:p>
+          <a:p>
+            <a:pPr lvl="1"/>
+            <a:r>
+              <a:rPr lang="en-GB"/>
+              <a:t>Second level</a:t>
+            </a:r>
+          </a:p>
+          <a:p>
+            <a:pPr lvl="2"/>
+            <a:r>
+              <a:rPr lang="en-GB"/>
+              <a:t>Third level</a:t>
+            </a:r>
+          </a:p>
+          <a:p>
+            <a:pPr lvl="3"/>
+            <a:r>
+              <a:rPr lang="en-GB"/>
+              <a:t>Fourth level</a:t>
+            </a:r>
+          </a:p>
+          <a:p>
+            <a:pPr lvl="4"/>
+            <a:r>
+              <a:rPr lang="en-GB"/>
+              <a:t>Fifth level</a:t>
+            </a:r>
+            <a:endParaRPr lang="en-US"/>
+          </a:p>
+        </p:txBody>
+      </p:sp>
+      <p:sp>
+        <p:nvSpPr>
+          <p:cNvPr id="6" name="Footer Placeholder 5"/>
+          <p:cNvSpPr>
+            <a:spLocks noGrp="1"/>
+          </p:cNvSpPr>
+          <p:nvPr>
+            <p:ph type="ftr" sz="quarter" idx="4"/>
+          </p:nvPr>
+        </p:nvSpPr>
+        <p:spPr>
+          <a:xfrm>
+            <a:off x="0" y="8685213"/>
+            <a:ext cx="2971800" cy="458787"/>
+          </a:xfrm>
+          <a:prstGeom prst="rect">
+            <a:avLst/>
+          </a:prstGeom>
+        </p:spPr>
+        <p:txBody>
+          <a:bodyPr vert="horz" lIns="91440" tIns="45720" rIns="91440" bIns="45720" rtlCol="0" anchor="b"/>
+          <a:lstStyle>
+            <a:lvl1pPr algn="l">
+              <a:defRPr sz="1200"/>
+            </a:lvl1pPr>
+          </a:lstStyle>
+          <a:p>
+            <a:endParaRPr lang="en-US"/>
+          </a:p>
+        </p:txBody>
+      </p:sp>
+      <p:sp>
+        <p:nvSpPr>
+          <p:cNvPr id="7" name="Slide Number Placeholder 6"/>
+          <p:cNvSpPr>
+            <a:spLocks noGrp="1"/>
+          </p:cNvSpPr>
+          <p:nvPr>
+            <p:ph type="sldNum" sz="quarter" idx="5"/>
+          </p:nvPr>
+        </p:nvSpPr>
+        <p:spPr>
+          <a:xfrm>
+            <a:off x="3884613" y="8685213"/>
+            <a:ext cx="2971800" cy="458787"/>
+          </a:xfrm>
+          <a:prstGeom prst="rect">
+            <a:avLst/>
+          </a:prstGeom>
+        </p:spPr>
+        <p:txBody>
+          <a:bodyPr vert="horz" lIns="91440" tIns="45720" rIns="91440" bIns="45720" rtlCol="0" anchor="b"/>
+          <a:lstStyle>
+            <a:lvl1pPr algn="r">
+              <a:defRPr sz="1200"/>
+            </a:lvl1pPr>
+          </a:lstStyle>
+          <a:p>
+            <a:fld id="{F4981574-01FE-6F4E-975F-782EC38456FD}" type="slidenum">
+              <a:rPr lang="en-US" smtClean="0"/>
+              <a:t>‹#›</a:t>
+            </a:fld>
+            <a:endParaRPr lang="en-US"/>
+          </a:p>
+        </p:txBody>
+      </p:sp>
+    </p:spTree>
+    <p:extLst>
+      <p:ext uri="{BB962C8B-B14F-4D97-AF65-F5344CB8AC3E}">
+        <p14:creationId xmlns:p14="http://schemas.microsoft.com/office/powerpoint/2010/main" val="741199449"/>
+      </p:ext>
+    </p:extLst>
+  </p:cSld>
+  <p:clrMap bg1="lt1" tx1="dk1" bg2="lt2" tx2="dk2" accent1="accent1" accent2="accent2" accent3="accent3" accent4="accent4" accent5="accent5" accent6="accent6" hlink="hlink" folHlink="folHlink"/>
+  <p:notesStyle>
+    <a:lvl1pPr marL="0" algn="l" defTabSz="914400" rtl="0" eaLnBrk="1" latinLnBrk="0" hangingPunct="1">
+      <a:defRPr sz="1200" kern="1200">
+        <a:solidFill>
+          <a:schemeClr val="tx1"/>
+        </a:solidFill>
+        <a:latin typeface="+mn-lt"/>
+        <a:ea typeface="+mn-ea"/>
+        <a:cs typeface="+mn-cs"/>
+      </a:defRPr>
+    </a:lvl1pPr>
+    <a:lvl2pPr marL="457200" algn="l" defTabSz="914400" rtl="0" eaLnBrk="1" latinLnBrk="0" hangingPunct="1">
+      <a:defRPr sz="1200" kern="1200">
+        <a:solidFill>
+          <a:schemeClr val="tx1"/>
+        </a:solidFill>
+        <a:latin typeface="+mn-lt"/>
+        <a:ea typeface="+mn-ea"/>
+        <a:cs typeface="+mn-cs"/>
+      </a:defRPr>
+    </a:lvl2pPr>
+    <a:lvl3pPr marL="914400" algn="l" defTabSz="914400" rtl="0" eaLnBrk="1" latinLnBrk="0" hangingPunct="1">
+      <a:defRPr sz="1200" kern="1200">
+        <a:solidFill>
+          <a:schemeClr val="tx1"/>
+        </a:solidFill>
+        <a:latin typeface="+mn-lt"/>
+        <a:ea typeface="+mn-ea"/>
+        <a:cs typeface="+mn-cs"/>
+      </a:defRPr>
+    </a:lvl3pPr>
+    <a:lvl4pPr marL="1371600" algn="l" defTabSz="914400" rtl="0" eaLnBrk="1" latinLnBrk="0" hangingPunct="1">
+      <a:defRPr sz="1200" kern="1200">
+        <a:solidFill>
+          <a:schemeClr val="tx1"/>
+        </a:solidFill>
+        <a:latin typeface="+mn-lt"/>
+        <a:ea typeface="+mn-ea"/>
+        <a:cs typeface="+mn-cs"/>
+      </a:defRPr>
+    </a:lvl4pPr>
+    <a:lvl5pPr marL="1828800" algn="l" defTabSz="914400" rtl="0" eaLnBrk="1" latinLnBrk="0" hangingPunct="1">
+      <a:defRPr sz="1200" kern="1200">
+        <a:solidFill>
+          <a:schemeClr val="tx1"/>
+        </a:solidFill>
+        <a:latin typeface="+mn-lt"/>
+        <a:ea typeface="+mn-ea"/>
+        <a:cs typeface="+mn-cs"/>
+      </a:defRPr>
+    </a:lvl5pPr>
+    <a:lvl6pPr marL="2286000" algn="l" defTabSz="914400" rtl="0" eaLnBrk="1" latinLnBrk="0" hangingPunct="1">
+      <a:defRPr sz="1200" kern="1200">
+        <a:solidFill>
+          <a:schemeClr val="tx1"/>
+        </a:solidFill>
+        <a:latin typeface="+mn-lt"/>
+        <a:ea typeface="+mn-ea"/>
+        <a:cs typeface="+mn-cs"/>
+      </a:defRPr>
+    </a:lvl6pPr>
+    <a:lvl7pPr marL="2743200" algn="l" defTabSz="914400" rtl="0" eaLnBrk="1" latinLnBrk="0" hangingPunct="1">
+      <a:defRPr sz="1200" kern="1200">
+        <a:solidFill>
+          <a:schemeClr val="tx1"/>
+        </a:solidFill>
+        <a:latin typeface="+mn-lt"/>
+        <a:ea typeface="+mn-ea"/>
+        <a:cs typeface="+mn-cs"/>
+      </a:defRPr>
+    </a:lvl7pPr>
+    <a:lvl8pPr marL="3200400" algn="l" defTabSz="914400" rtl="0" eaLnBrk="1" latinLnBrk="0" hangingPunct="1">
+      <a:defRPr sz="1200" kern="1200">
+        <a:solidFill>
+          <a:schemeClr val="tx1"/>
+        </a:solidFill>
+        <a:latin typeface="+mn-lt"/>
+        <a:ea typeface="+mn-ea"/>
+        <a:cs typeface="+mn-cs"/>
+      </a:defRPr>
+    </a:lvl8pPr>
+    <a:lvl9pPr marL="3657600" algn="l" defTabSz="914400" rtl="0" eaLnBrk="1" latinLnBrk="0" hangingPunct="1">
+      <a:defRPr sz="1200" kern="1200">
+        <a:solidFill>
+          <a:schemeClr val="tx1"/>
+        </a:solidFill>
+        <a:latin typeface="+mn-lt"/>
+        <a:ea typeface="+mn-ea"/>
+        <a:cs typeface="+mn-cs"/>
+      </a:defRPr>
+    </a:lvl9pPr>
+  </p:notesStyle>
+</p:notesMaster>
+</file>
+
+<file path=ppt/notesSlides/notesSlide1.xml><?xml version="1.0" encoding="utf-8"?>
+<p:notes xmlns:a="http://schemas.openxmlformats.org/drawingml/2006/main" xmlns:r="http://schemas.openxmlformats.org/officeDocument/2006/relationships" xmlns:p="http://schemas.openxmlformats.org/presentationml/2006/main">
+  <p:cSld>
+    <p:spTree>
+      <p:nvGrpSpPr>
+        <p:cNvPr id="1" name=""/>
+        <p:cNvGrpSpPr/>
+        <p:nvPr/>
+      </p:nvGrpSpPr>
+      <p:grpSpPr>
+        <a:xfrm>
+          <a:off x="0" y="0"/>
+          <a:ext cx="0" cy="0"/>
+          <a:chOff x="0" y="0"/>
+          <a:chExt cx="0" cy="0"/>
+        </a:xfrm>
+      </p:grpSpPr>
+      <p:sp>
+        <p:nvSpPr>
+          <p:cNvPr id="2" name="Slide Image Placeholder 1"/>
+          <p:cNvSpPr>
+            <a:spLocks noGrp="1" noRot="1" noChangeAspect="1"/>
+          </p:cNvSpPr>
+          <p:nvPr>
+            <p:ph type="sldImg"/>
+          </p:nvPr>
+        </p:nvSpPr>
+        <p:spPr/>
+      </p:sp>
+      <p:sp>
+        <p:nvSpPr>
+          <p:cNvPr id="3" name="Notes Placeholder 2"/>
+          <p:cNvSpPr>
+            <a:spLocks noGrp="1"/>
+          </p:cNvSpPr>
+          <p:nvPr>
+            <p:ph type="body" idx="1"/>
+          </p:nvPr>
+        </p:nvSpPr>
+        <p:spPr/>
+        <p:txBody>
+          <a:bodyPr/>
+          <a:lstStyle/>
+          <a:p>
+            <a:r>
+              <a:rPr lang="en-US" dirty="0"/>
+              <a:t>Ask for ideas</a:t>
+            </a:r>
+          </a:p>
+        </p:txBody>
+      </p:sp>
+      <p:sp>
+        <p:nvSpPr>
+          <p:cNvPr id="4" name="Slide Number Placeholder 3"/>
+          <p:cNvSpPr>
+            <a:spLocks noGrp="1"/>
+          </p:cNvSpPr>
+          <p:nvPr>
+            <p:ph type="sldNum" sz="quarter" idx="5"/>
+          </p:nvPr>
+        </p:nvSpPr>
+        <p:spPr/>
+        <p:txBody>
+          <a:bodyPr/>
+          <a:lstStyle/>
+          <a:p>
+            <a:fld id="{F4981574-01FE-6F4E-975F-782EC38456FD}" type="slidenum">
+              <a:rPr lang="en-US" smtClean="0"/>
+              <a:t>2</a:t>
+            </a:fld>
+            <a:endParaRPr lang="en-US"/>
+          </a:p>
+        </p:txBody>
+      </p:sp>
+    </p:spTree>
+    <p:extLst>
+      <p:ext uri="{BB962C8B-B14F-4D97-AF65-F5344CB8AC3E}">
+        <p14:creationId xmlns:p14="http://schemas.microsoft.com/office/powerpoint/2010/main" val="1583740022"/>
+      </p:ext>
+    </p:extLst>
+  </p:cSld>
+  <p:clrMapOvr>
+    <a:masterClrMapping/>
+  </p:clrMapOvr>
+</p:notes>
+</file>
+
 <file path=ppt/slideLayouts/slideLayout1.xml><?xml version="1.0" encoding="utf-8"?>
 <p:sldLayout xmlns:a="http://schemas.openxmlformats.org/drawingml/2006/main" xmlns:r="http://schemas.openxmlformats.org/officeDocument/2006/relationships" xmlns:p="http://schemas.openxmlformats.org/presentationml/2006/main" type="title" preserve="1">
   <p:cSld name="Title Slide">
@@ -801,7 +1242,7 @@
             <a:fld id="{B61BEF0D-F0BB-DE4B-95CE-6DB70DBA9567}" type="datetimeFigureOut">
               <a:rPr lang="en-US" dirty="0"/>
               <a:pPr/>
-              <a:t>6/10/23</a:t>
+              <a:t>5/19/24</a:t>
             </a:fld>
             <a:endParaRPr lang="en-US" dirty="0"/>
           </a:p>
@@ -1132,7 +1573,7 @@
             <a:fld id="{B61BEF0D-F0BB-DE4B-95CE-6DB70DBA9567}" type="datetimeFigureOut">
               <a:rPr lang="en-US" dirty="0"/>
               <a:pPr/>
-              <a:t>6/10/23</a:t>
+              <a:t>5/19/24</a:t>
             </a:fld>
             <a:endParaRPr lang="en-US" dirty="0"/>
           </a:p>
@@ -1407,7 +1848,7 @@
             <a:fld id="{B61BEF0D-F0BB-DE4B-95CE-6DB70DBA9567}" type="datetimeFigureOut">
               <a:rPr lang="en-US" dirty="0"/>
               <a:pPr/>
-              <a:t>6/10/23</a:t>
+              <a:t>5/19/24</a:t>
             </a:fld>
             <a:endParaRPr lang="en-US" dirty="0"/>
           </a:p>
@@ -1972,7 +2413,7 @@
             <a:fld id="{B61BEF0D-F0BB-DE4B-95CE-6DB70DBA9567}" type="datetimeFigureOut">
               <a:rPr lang="en-US" dirty="0"/>
               <a:pPr/>
-              <a:t>6/10/23</a:t>
+              <a:t>5/19/24</a:t>
             </a:fld>
             <a:endParaRPr lang="en-US" dirty="0"/>
           </a:p>
@@ -2247,7 +2688,7 @@
             <a:fld id="{B61BEF0D-F0BB-DE4B-95CE-6DB70DBA9567}" type="datetimeFigureOut">
               <a:rPr lang="en-US" dirty="0"/>
               <a:pPr/>
-              <a:t>6/10/23</a:t>
+              <a:t>5/19/24</a:t>
             </a:fld>
             <a:endParaRPr lang="en-US" dirty="0"/>
           </a:p>
@@ -2806,7 +3247,7 @@
             <a:fld id="{B61BEF0D-F0BB-DE4B-95CE-6DB70DBA9567}" type="datetimeFigureOut">
               <a:rPr lang="en-US" dirty="0"/>
               <a:pPr/>
-              <a:t>6/10/23</a:t>
+              <a:t>5/19/24</a:t>
             </a:fld>
             <a:endParaRPr lang="en-US" dirty="0"/>
           </a:p>
@@ -3130,7 +3571,7 @@
             <a:fld id="{B61BEF0D-F0BB-DE4B-95CE-6DB70DBA9567}" type="datetimeFigureOut">
               <a:rPr lang="en-US" dirty="0"/>
               <a:pPr/>
-              <a:t>6/10/23</a:t>
+              <a:t>5/19/24</a:t>
             </a:fld>
             <a:endParaRPr lang="en-US" dirty="0"/>
           </a:p>
@@ -3304,7 +3745,7 @@
             <a:fld id="{B61BEF0D-F0BB-DE4B-95CE-6DB70DBA9567}" type="datetimeFigureOut">
               <a:rPr lang="en-US" dirty="0"/>
               <a:pPr/>
-              <a:t>6/10/23</a:t>
+              <a:t>5/19/24</a:t>
             </a:fld>
             <a:endParaRPr lang="en-US" dirty="0"/>
           </a:p>
@@ -3539,7 +3980,7 @@
             <a:fld id="{B61BEF0D-F0BB-DE4B-95CE-6DB70DBA9567}" type="datetimeFigureOut">
               <a:rPr lang="en-US" dirty="0"/>
               <a:pPr/>
-              <a:t>6/10/23</a:t>
+              <a:t>5/19/24</a:t>
             </a:fld>
             <a:endParaRPr lang="en-US" dirty="0"/>
           </a:p>
@@ -3736,7 +4177,7 @@
             <a:fld id="{B61BEF0D-F0BB-DE4B-95CE-6DB70DBA9567}" type="datetimeFigureOut">
               <a:rPr lang="en-US" dirty="0"/>
               <a:pPr/>
-              <a:t>6/10/23</a:t>
+              <a:t>5/19/24</a:t>
             </a:fld>
             <a:endParaRPr lang="en-US" dirty="0"/>
           </a:p>
@@ -4009,7 +4450,7 @@
             <a:fld id="{B61BEF0D-F0BB-DE4B-95CE-6DB70DBA9567}" type="datetimeFigureOut">
               <a:rPr lang="en-US" dirty="0"/>
               <a:pPr/>
-              <a:t>6/10/23</a:t>
+              <a:t>5/19/24</a:t>
             </a:fld>
             <a:endParaRPr lang="en-US" dirty="0"/>
           </a:p>
@@ -4272,7 +4713,7 @@
             <a:fld id="{B61BEF0D-F0BB-DE4B-95CE-6DB70DBA9567}" type="datetimeFigureOut">
               <a:rPr lang="en-US" dirty="0"/>
               <a:pPr/>
-              <a:t>6/10/23</a:t>
+              <a:t>5/19/24</a:t>
             </a:fld>
             <a:endParaRPr lang="en-US" dirty="0"/>
           </a:p>
@@ -4643,7 +5084,7 @@
             <a:fld id="{B61BEF0D-F0BB-DE4B-95CE-6DB70DBA9567}" type="datetimeFigureOut">
               <a:rPr lang="en-US" dirty="0"/>
               <a:pPr/>
-              <a:t>6/10/23</a:t>
+              <a:t>5/19/24</a:t>
             </a:fld>
             <a:endParaRPr lang="en-US" dirty="0"/>
           </a:p>
@@ -4788,7 +5229,7 @@
             <a:fld id="{B61BEF0D-F0BB-DE4B-95CE-6DB70DBA9567}" type="datetimeFigureOut">
               <a:rPr lang="en-US" dirty="0"/>
               <a:pPr/>
-              <a:t>6/10/23</a:t>
+              <a:t>5/19/24</a:t>
             </a:fld>
             <a:endParaRPr lang="en-US" dirty="0"/>
           </a:p>
@@ -4910,7 +5351,7 @@
             <a:fld id="{B61BEF0D-F0BB-DE4B-95CE-6DB70DBA9567}" type="datetimeFigureOut">
               <a:rPr lang="en-US" dirty="0"/>
               <a:pPr/>
-              <a:t>6/10/23</a:t>
+              <a:t>5/19/24</a:t>
             </a:fld>
             <a:endParaRPr lang="en-US" dirty="0"/>
           </a:p>
@@ -5192,7 +5633,7 @@
             <a:fld id="{B61BEF0D-F0BB-DE4B-95CE-6DB70DBA9567}" type="datetimeFigureOut">
               <a:rPr lang="en-US" dirty="0"/>
               <a:pPr/>
-              <a:t>6/10/23</a:t>
+              <a:t>5/19/24</a:t>
             </a:fld>
             <a:endParaRPr lang="en-US" dirty="0"/>
           </a:p>
@@ -5513,7 +5954,7 @@
             <a:fld id="{B61BEF0D-F0BB-DE4B-95CE-6DB70DBA9567}" type="datetimeFigureOut">
               <a:rPr lang="en-US" dirty="0"/>
               <a:pPr/>
-              <a:t>6/10/23</a:t>
+              <a:t>5/19/24</a:t>
             </a:fld>
             <a:endParaRPr lang="en-US" dirty="0"/>
           </a:p>
@@ -5724,7 +6165,7 @@
             <a:fld id="{B61BEF0D-F0BB-DE4B-95CE-6DB70DBA9567}" type="datetimeFigureOut">
               <a:rPr lang="en-US" dirty="0"/>
               <a:pPr/>
-              <a:t>6/10/23</a:t>
+              <a:t>5/19/24</a:t>
             </a:fld>
             <a:endParaRPr lang="en-US" dirty="0"/>
           </a:p>
@@ -6346,6 +6787,111 @@
           <p:cNvPr id="2" name="Title 1">
             <a:extLst>
               <a:ext uri="{FF2B5EF4-FFF2-40B4-BE49-F238E27FC236}">
+                <a16:creationId xmlns:a16="http://schemas.microsoft.com/office/drawing/2014/main" id="{706A30C6-B420-9138-67DB-66E7B7719882}"/>
+              </a:ext>
+            </a:extLst>
+          </p:cNvPr>
+          <p:cNvSpPr>
+            <a:spLocks noGrp="1"/>
+          </p:cNvSpPr>
+          <p:nvPr>
+            <p:ph type="title"/>
+          </p:nvPr>
+        </p:nvSpPr>
+        <p:spPr/>
+        <p:txBody>
+          <a:bodyPr/>
+          <a:lstStyle/>
+          <a:p>
+            <a:r>
+              <a:rPr lang="en-US" dirty="0"/>
+              <a:t>Create a shiny app</a:t>
+            </a:r>
+          </a:p>
+        </p:txBody>
+      </p:sp>
+      <p:sp>
+        <p:nvSpPr>
+          <p:cNvPr id="3" name="TextBox 2">
+            <a:extLst>
+              <a:ext uri="{FF2B5EF4-FFF2-40B4-BE49-F238E27FC236}">
+                <a16:creationId xmlns:a16="http://schemas.microsoft.com/office/drawing/2014/main" id="{AC20CB76-3D82-299E-653E-41200AE807A6}"/>
+              </a:ext>
+            </a:extLst>
+          </p:cNvPr>
+          <p:cNvSpPr txBox="1"/>
+          <p:nvPr/>
+        </p:nvSpPr>
+        <p:spPr>
+          <a:xfrm>
+            <a:off x="685801" y="2438400"/>
+            <a:ext cx="6293068" cy="461665"/>
+          </a:xfrm>
+          <a:prstGeom prst="rect">
+            <a:avLst/>
+          </a:prstGeom>
+          <a:noFill/>
+        </p:spPr>
+        <p:txBody>
+          <a:bodyPr wrap="square" rtlCol="0">
+            <a:spAutoFit/>
+          </a:bodyPr>
+          <a:lstStyle/>
+          <a:p>
+            <a:r>
+              <a:rPr lang="en-US" sz="2400" dirty="0">
+                <a:latin typeface="Gill Sans MT" panose="020B0502020104020203" pitchFamily="34" charset="77"/>
+                <a:hlinkClick r:id="rId2">
+                  <a:extLst>
+                    <a:ext uri="{A12FA001-AC4F-418D-AE19-62706E023703}">
+                      <ahyp:hlinkClr xmlns:ahyp="http://schemas.microsoft.com/office/drawing/2018/hyperlinkcolor" val="tx"/>
+                    </a:ext>
+                  </a:extLst>
+                </a:hlinkClick>
+              </a:rPr>
+              <a:t>https://github.com/nabury/shiny-masterclass</a:t>
+            </a:r>
+            <a:endParaRPr lang="en-US" sz="2400" dirty="0">
+              <a:latin typeface="Gill Sans MT" panose="020B0502020104020203" pitchFamily="34" charset="77"/>
+            </a:endParaRPr>
+          </a:p>
+        </p:txBody>
+      </p:sp>
+    </p:spTree>
+    <p:extLst>
+      <p:ext uri="{BB962C8B-B14F-4D97-AF65-F5344CB8AC3E}">
+        <p14:creationId xmlns:p14="http://schemas.microsoft.com/office/powerpoint/2010/main" val="121551038"/>
+      </p:ext>
+    </p:extLst>
+  </p:cSld>
+  <p:clrMapOvr>
+    <a:masterClrMapping/>
+  </p:clrMapOvr>
+</p:sld>
+</file>
+
+<file path=ppt/slides/slide11.xml><?xml version="1.0" encoding="utf-8"?>
+<p:sld xmlns:a="http://schemas.openxmlformats.org/drawingml/2006/main" xmlns:r="http://schemas.openxmlformats.org/officeDocument/2006/relationships" xmlns:p="http://schemas.openxmlformats.org/presentationml/2006/main">
+  <p:cSld>
+    <p:spTree>
+      <p:nvGrpSpPr>
+        <p:cNvPr id="1" name=""/>
+        <p:cNvGrpSpPr/>
+        <p:nvPr/>
+      </p:nvGrpSpPr>
+      <p:grpSpPr>
+        <a:xfrm>
+          <a:off x="0" y="0"/>
+          <a:ext cx="0" cy="0"/>
+          <a:chOff x="0" y="0"/>
+          <a:chExt cx="0" cy="0"/>
+        </a:xfrm>
+      </p:grpSpPr>
+      <p:sp>
+        <p:nvSpPr>
+          <p:cNvPr id="2" name="Title 1">
+            <a:extLst>
+              <a:ext uri="{FF2B5EF4-FFF2-40B4-BE49-F238E27FC236}">
                 <a16:creationId xmlns:a16="http://schemas.microsoft.com/office/drawing/2014/main" id="{8D9ED0F1-D31E-E4B2-4E4D-7D81E4D0590C}"/>
               </a:ext>
             </a:extLst>
@@ -8001,84 +8547,286 @@
           <a:chExt cx="0" cy="0"/>
         </a:xfrm>
       </p:grpSpPr>
-      <p:pic>
-        <p:nvPicPr>
-          <p:cNvPr id="5" name="Content Placeholder 4" descr="A screenshot of a computer&#10;&#10;Description automatically generated with low confidence">
+      <p:sp>
+        <p:nvSpPr>
+          <p:cNvPr id="2" name="Title 1">
             <a:extLst>
               <a:ext uri="{FF2B5EF4-FFF2-40B4-BE49-F238E27FC236}">
-                <a16:creationId xmlns:a16="http://schemas.microsoft.com/office/drawing/2014/main" id="{352596CC-0BC6-46A3-73C4-20C72AE63BA2}"/>
+                <a16:creationId xmlns:a16="http://schemas.microsoft.com/office/drawing/2014/main" id="{E9F9F47F-D80D-06CB-B1D9-5E2C714CEA5B}"/>
               </a:ext>
             </a:extLst>
           </p:cNvPr>
-          <p:cNvPicPr>
-            <a:picLocks noGrp="1" noChangeAspect="1"/>
-          </p:cNvPicPr>
-          <p:nvPr>
-            <p:ph idx="1"/>
-          </p:nvPr>
-        </p:nvPicPr>
-        <p:blipFill>
-          <a:blip r:embed="rId2"/>
-          <a:stretch>
-            <a:fillRect/>
-          </a:stretch>
-        </p:blipFill>
-        <p:spPr>
-          <a:xfrm>
-            <a:off x="499980" y="375801"/>
-            <a:ext cx="11440616" cy="5016006"/>
-          </a:xfrm>
-        </p:spPr>
-      </p:pic>
-      <p:sp>
-        <p:nvSpPr>
-          <p:cNvPr id="6" name="TextBox 5">
+          <p:cNvSpPr>
+            <a:spLocks noGrp="1"/>
+          </p:cNvSpPr>
+          <p:nvPr>
+            <p:ph type="title"/>
+          </p:nvPr>
+        </p:nvSpPr>
+        <p:spPr/>
+        <p:txBody>
+          <a:bodyPr/>
+          <a:lstStyle/>
+          <a:p>
+            <a:r>
+              <a:rPr lang="en-US" dirty="0" err="1">
+                <a:latin typeface="Gill Sans MT" panose="020B0502020104020203" pitchFamily="34" charset="77"/>
+              </a:rPr>
+              <a:t>REQuirements</a:t>
+            </a:r>
+            <a:endParaRPr lang="en-US" dirty="0">
+              <a:latin typeface="Gill Sans MT" panose="020B0502020104020203" pitchFamily="34" charset="77"/>
+            </a:endParaRPr>
+          </a:p>
+        </p:txBody>
+      </p:sp>
+      <p:sp>
+        <p:nvSpPr>
+          <p:cNvPr id="3" name="Content Placeholder 2">
             <a:extLst>
               <a:ext uri="{FF2B5EF4-FFF2-40B4-BE49-F238E27FC236}">
-                <a16:creationId xmlns:a16="http://schemas.microsoft.com/office/drawing/2014/main" id="{262B8496-BB00-24AF-C6DE-2C4162178926}"/>
+                <a16:creationId xmlns:a16="http://schemas.microsoft.com/office/drawing/2014/main" id="{CB75B596-7555-5B4F-DF74-617748FE1F4E}"/>
               </a:ext>
             </a:extLst>
           </p:cNvPr>
-          <p:cNvSpPr txBox="1"/>
-          <p:nvPr/>
+          <p:cNvSpPr>
+            <a:spLocks noGrp="1"/>
+          </p:cNvSpPr>
+          <p:nvPr>
+            <p:ph idx="1"/>
+          </p:nvPr>
         </p:nvSpPr>
         <p:spPr>
           <a:xfrm>
-            <a:off x="1040524" y="5738648"/>
-            <a:ext cx="6316717" cy="646331"/>
+            <a:off x="685801" y="2321461"/>
+            <a:ext cx="10131425" cy="4026946"/>
           </a:xfrm>
-          <a:prstGeom prst="rect">
-            <a:avLst/>
-          </a:prstGeom>
-          <a:noFill/>
         </p:spPr>
         <p:txBody>
-          <a:bodyPr wrap="square" rtlCol="0">
-            <a:spAutoFit/>
+          <a:bodyPr>
+            <a:normAutofit fontScale="92500" lnSpcReduction="10000"/>
           </a:bodyPr>
           <a:lstStyle/>
           <a:p>
-            <a:r>
-              <a:rPr lang="en-US" dirty="0">
-                <a:latin typeface="Gill Sans MT" panose="020B0502020104020203" pitchFamily="34" charset="77"/>
+            <a:pPr marL="342900" lvl="0" indent="-342900">
+              <a:buFont typeface="Symbol" pitchFamily="2" charset="2"/>
+              <a:buChar char=""/>
+            </a:pPr>
+            <a:r>
+              <a:rPr lang="en-GB" sz="1800" kern="100" dirty="0">
+                <a:effectLst/>
+                <a:latin typeface="Calibri" panose="020F0502020204030204" pitchFamily="34" charset="0"/>
+                <a:ea typeface="Calibri" panose="020F0502020204030204" pitchFamily="34" charset="0"/>
+                <a:cs typeface="Times New Roman" panose="02020603050405020304" pitchFamily="18" charset="0"/>
               </a:rPr>
-              <a:t>Species: Adelie, Chinstrap, Gentoo</a:t>
-            </a:r>
-          </a:p>
-          <a:p>
-            <a:r>
-              <a:rPr lang="en-US" dirty="0">
-                <a:latin typeface="Gill Sans MT" panose="020B0502020104020203" pitchFamily="34" charset="77"/>
+              <a:t>use the ‘</a:t>
+            </a:r>
+            <a:r>
+              <a:rPr lang="en-GB" sz="1800" kern="100" dirty="0" err="1">
+                <a:effectLst/>
+                <a:latin typeface="Calibri" panose="020F0502020204030204" pitchFamily="34" charset="0"/>
+                <a:ea typeface="Calibri" panose="020F0502020204030204" pitchFamily="34" charset="0"/>
+                <a:cs typeface="Times New Roman" panose="02020603050405020304" pitchFamily="18" charset="0"/>
               </a:rPr>
-              <a:t>Island: Biscoe, Dream, Torgersen</a:t>
-            </a:r>
+              <a:t>palmerpenguins</a:t>
+            </a:r>
+            <a:r>
+              <a:rPr lang="en-GB" sz="1800" kern="100" dirty="0">
+                <a:effectLst/>
+                <a:latin typeface="Calibri" panose="020F0502020204030204" pitchFamily="34" charset="0"/>
+                <a:ea typeface="Calibri" panose="020F0502020204030204" pitchFamily="34" charset="0"/>
+                <a:cs typeface="Times New Roman" panose="02020603050405020304" pitchFamily="18" charset="0"/>
+              </a:rPr>
+              <a:t>’ dataset</a:t>
+            </a:r>
+          </a:p>
+          <a:p>
+            <a:pPr marL="0" lvl="0" indent="0">
+              <a:buNone/>
+            </a:pPr>
+            <a:endParaRPr lang="en-GB" sz="1800" kern="100" dirty="0">
+              <a:effectLst/>
+              <a:latin typeface="Calibri" panose="020F0502020204030204" pitchFamily="34" charset="0"/>
+              <a:ea typeface="Calibri" panose="020F0502020204030204" pitchFamily="34" charset="0"/>
+              <a:cs typeface="Times New Roman" panose="02020603050405020304" pitchFamily="18" charset="0"/>
+            </a:endParaRPr>
+          </a:p>
+          <a:p>
+            <a:pPr marL="342900" lvl="0" indent="-342900">
+              <a:buFont typeface="Symbol" pitchFamily="2" charset="2"/>
+              <a:buChar char=""/>
+            </a:pPr>
+            <a:r>
+              <a:rPr lang="en-GB" sz="1800" kern="100" dirty="0">
+                <a:effectLst/>
+                <a:latin typeface="Calibri" panose="020F0502020204030204" pitchFamily="34" charset="0"/>
+                <a:ea typeface="Calibri" panose="020F0502020204030204" pitchFamily="34" charset="0"/>
+                <a:cs typeface="Times New Roman" panose="02020603050405020304" pitchFamily="18" charset="0"/>
+              </a:rPr>
+              <a:t>contain </a:t>
+            </a:r>
+            <a:r>
+              <a:rPr lang="en-GB" sz="1800" b="1" kern="100" dirty="0">
+                <a:effectLst/>
+                <a:latin typeface="Calibri" panose="020F0502020204030204" pitchFamily="34" charset="0"/>
+                <a:ea typeface="Calibri" panose="020F0502020204030204" pitchFamily="34" charset="0"/>
+                <a:cs typeface="Times New Roman" panose="02020603050405020304" pitchFamily="18" charset="0"/>
+              </a:rPr>
+              <a:t>at least 2 different types of input widget </a:t>
+            </a:r>
+            <a:r>
+              <a:rPr lang="en-GB" sz="1800" kern="100" dirty="0">
+                <a:effectLst/>
+                <a:latin typeface="Calibri" panose="020F0502020204030204" pitchFamily="34" charset="0"/>
+                <a:ea typeface="Calibri" panose="020F0502020204030204" pitchFamily="34" charset="0"/>
+                <a:cs typeface="Times New Roman" panose="02020603050405020304" pitchFamily="18" charset="0"/>
+              </a:rPr>
+              <a:t>not including help text i.e. a slider and an select box is fine but two different sliders are not</a:t>
+            </a:r>
+          </a:p>
+          <a:p>
+            <a:endParaRPr lang="en-GB" sz="1800" kern="100" dirty="0">
+              <a:effectLst/>
+              <a:latin typeface="Calibri" panose="020F0502020204030204" pitchFamily="34" charset="0"/>
+              <a:ea typeface="Calibri" panose="020F0502020204030204" pitchFamily="34" charset="0"/>
+              <a:cs typeface="Times New Roman" panose="02020603050405020304" pitchFamily="18" charset="0"/>
+            </a:endParaRPr>
+          </a:p>
+          <a:p>
+            <a:pPr marL="342900" lvl="0" indent="-342900">
+              <a:buFont typeface="Symbol" pitchFamily="2" charset="2"/>
+              <a:buChar char=""/>
+            </a:pPr>
+            <a:r>
+              <a:rPr lang="en-GB" sz="1800" kern="100" dirty="0">
+                <a:effectLst/>
+                <a:latin typeface="Calibri" panose="020F0502020204030204" pitchFamily="34" charset="0"/>
+                <a:ea typeface="Calibri" panose="020F0502020204030204" pitchFamily="34" charset="0"/>
+                <a:cs typeface="Times New Roman" panose="02020603050405020304" pitchFamily="18" charset="0"/>
+              </a:rPr>
+              <a:t>include </a:t>
+            </a:r>
+            <a:r>
+              <a:rPr lang="en-GB" sz="1800" b="1" kern="100" dirty="0">
+                <a:effectLst/>
+                <a:latin typeface="Calibri" panose="020F0502020204030204" pitchFamily="34" charset="0"/>
+                <a:ea typeface="Calibri" panose="020F0502020204030204" pitchFamily="34" charset="0"/>
+                <a:cs typeface="Times New Roman" panose="02020603050405020304" pitchFamily="18" charset="0"/>
+              </a:rPr>
+              <a:t>at least 1 reactive plot</a:t>
+            </a:r>
+            <a:r>
+              <a:rPr lang="en-GB" sz="1800" kern="100" dirty="0">
+                <a:effectLst/>
+                <a:latin typeface="Calibri" panose="020F0502020204030204" pitchFamily="34" charset="0"/>
+                <a:ea typeface="Calibri" panose="020F0502020204030204" pitchFamily="34" charset="0"/>
+                <a:cs typeface="Times New Roman" panose="02020603050405020304" pitchFamily="18" charset="0"/>
+              </a:rPr>
+              <a:t> </a:t>
+            </a:r>
+          </a:p>
+          <a:p>
+            <a:pPr marL="171450" indent="0">
+              <a:buNone/>
+            </a:pPr>
+            <a:r>
+              <a:rPr lang="en-GB" sz="1800" kern="100" dirty="0">
+                <a:effectLst/>
+                <a:latin typeface="Calibri" panose="020F0502020204030204" pitchFamily="34" charset="0"/>
+                <a:ea typeface="Calibri" panose="020F0502020204030204" pitchFamily="34" charset="0"/>
+                <a:cs typeface="Times New Roman" panose="02020603050405020304" pitchFamily="18" charset="0"/>
+              </a:rPr>
+              <a:t> </a:t>
+            </a:r>
+          </a:p>
+          <a:p>
+            <a:pPr marL="342900" lvl="0" indent="-342900">
+              <a:buFont typeface="Symbol" pitchFamily="2" charset="2"/>
+              <a:buChar char=""/>
+            </a:pPr>
+            <a:r>
+              <a:rPr lang="en-GB" sz="1800" kern="100" dirty="0">
+                <a:effectLst/>
+                <a:latin typeface="Calibri" panose="020F0502020204030204" pitchFamily="34" charset="0"/>
+                <a:ea typeface="Calibri" panose="020F0502020204030204" pitchFamily="34" charset="0"/>
+                <a:cs typeface="Times New Roman" panose="02020603050405020304" pitchFamily="18" charset="0"/>
+              </a:rPr>
+              <a:t>include </a:t>
+            </a:r>
+            <a:r>
+              <a:rPr lang="en-GB" sz="1800" b="1" kern="100" dirty="0">
+                <a:effectLst/>
+                <a:latin typeface="Calibri" panose="020F0502020204030204" pitchFamily="34" charset="0"/>
+                <a:ea typeface="Calibri" panose="020F0502020204030204" pitchFamily="34" charset="0"/>
+                <a:cs typeface="Times New Roman" panose="02020603050405020304" pitchFamily="18" charset="0"/>
+              </a:rPr>
+              <a:t>at least 1 other type of reactive output </a:t>
+            </a:r>
+            <a:r>
+              <a:rPr lang="en-GB" sz="1800" kern="100" dirty="0">
+                <a:effectLst/>
+                <a:latin typeface="Calibri" panose="020F0502020204030204" pitchFamily="34" charset="0"/>
+                <a:ea typeface="Calibri" panose="020F0502020204030204" pitchFamily="34" charset="0"/>
+                <a:cs typeface="Times New Roman" panose="02020603050405020304" pitchFamily="18" charset="0"/>
+              </a:rPr>
+              <a:t>other than the plot</a:t>
+            </a:r>
+          </a:p>
+          <a:p>
+            <a:pPr marL="0" lvl="0" indent="0">
+              <a:buNone/>
+            </a:pPr>
+            <a:endParaRPr lang="en-GB" sz="1800" kern="100" dirty="0">
+              <a:effectLst/>
+              <a:latin typeface="Calibri" panose="020F0502020204030204" pitchFamily="34" charset="0"/>
+              <a:ea typeface="Calibri" panose="020F0502020204030204" pitchFamily="34" charset="0"/>
+              <a:cs typeface="Times New Roman" panose="02020603050405020304" pitchFamily="18" charset="0"/>
+            </a:endParaRPr>
+          </a:p>
+          <a:p>
+            <a:pPr marL="342900" indent="-342900">
+              <a:buFont typeface="Symbol" pitchFamily="2" charset="2"/>
+              <a:buChar char=""/>
+            </a:pPr>
+            <a:r>
+              <a:rPr lang="en-GB" sz="1800" b="1" kern="100" dirty="0">
+                <a:effectLst/>
+                <a:latin typeface="Calibri" panose="020F0502020204030204" pitchFamily="34" charset="0"/>
+                <a:ea typeface="Calibri" panose="020F0502020204030204" pitchFamily="34" charset="0"/>
+                <a:cs typeface="Times New Roman" panose="02020603050405020304" pitchFamily="18" charset="0"/>
+              </a:rPr>
+              <a:t>OPTIONAL CHALLENGE </a:t>
+            </a:r>
+            <a:r>
+              <a:rPr lang="en-GB" sz="1800" kern="100" dirty="0">
+                <a:effectLst/>
+                <a:latin typeface="Calibri" panose="020F0502020204030204" pitchFamily="34" charset="0"/>
+                <a:ea typeface="Calibri" panose="020F0502020204030204" pitchFamily="34" charset="0"/>
+                <a:cs typeface="Times New Roman" panose="02020603050405020304" pitchFamily="18" charset="0"/>
+              </a:rPr>
+              <a:t>have at least one way of controlling the reactivity i.e. an action button or a reactive expression (if you include an action button, this must be in addition to the previous 2 input widgets) </a:t>
+            </a:r>
+          </a:p>
+          <a:p>
+            <a:pPr marL="0" lvl="0" indent="0">
+              <a:buNone/>
+            </a:pPr>
+            <a:endParaRPr lang="en-GB" sz="1800" kern="100" dirty="0">
+              <a:effectLst/>
+              <a:latin typeface="Calibri" panose="020F0502020204030204" pitchFamily="34" charset="0"/>
+              <a:ea typeface="Calibri" panose="020F0502020204030204" pitchFamily="34" charset="0"/>
+              <a:cs typeface="Times New Roman" panose="02020603050405020304" pitchFamily="18" charset="0"/>
+            </a:endParaRPr>
+          </a:p>
+          <a:p>
+            <a:endParaRPr lang="en-US" dirty="0"/>
           </a:p>
         </p:txBody>
       </p:sp>
     </p:spTree>
     <p:extLst>
       <p:ext uri="{BB962C8B-B14F-4D97-AF65-F5344CB8AC3E}">
-        <p14:creationId xmlns:p14="http://schemas.microsoft.com/office/powerpoint/2010/main" val="612446693"/>
+        <p14:creationId xmlns:p14="http://schemas.microsoft.com/office/powerpoint/2010/main" val="3523006915"/>
       </p:ext>
     </p:extLst>
   </p:cSld>
@@ -8110,7 +8858,7 @@
           <p:cNvPr id="2" name="Title 1">
             <a:extLst>
               <a:ext uri="{FF2B5EF4-FFF2-40B4-BE49-F238E27FC236}">
-                <a16:creationId xmlns:a16="http://schemas.microsoft.com/office/drawing/2014/main" id="{706A30C6-B420-9138-67DB-66E7B7719882}"/>
+                <a16:creationId xmlns:a16="http://schemas.microsoft.com/office/drawing/2014/main" id="{E9F9F47F-D80D-06CB-B1D9-5E2C714CEA5B}"/>
               </a:ext>
             </a:extLst>
           </p:cNvPr>
@@ -8127,63 +8875,189 @@
           <a:lstStyle/>
           <a:p>
             <a:r>
-              <a:rPr lang="en-US" dirty="0"/>
-              <a:t>Create a shiny app</a:t>
-            </a:r>
-          </a:p>
-        </p:txBody>
-      </p:sp>
-      <p:sp>
-        <p:nvSpPr>
-          <p:cNvPr id="3" name="TextBox 2">
+              <a:rPr lang="en-US" dirty="0">
+                <a:latin typeface="Gill Sans MT" panose="020B0502020104020203" pitchFamily="34" charset="77"/>
+              </a:rPr>
+              <a:t>PLANNING – not coding!</a:t>
+            </a:r>
+          </a:p>
+        </p:txBody>
+      </p:sp>
+      <p:sp>
+        <p:nvSpPr>
+          <p:cNvPr id="3" name="Content Placeholder 2">
             <a:extLst>
               <a:ext uri="{FF2B5EF4-FFF2-40B4-BE49-F238E27FC236}">
-                <a16:creationId xmlns:a16="http://schemas.microsoft.com/office/drawing/2014/main" id="{AC20CB76-3D82-299E-653E-41200AE807A6}"/>
+                <a16:creationId xmlns:a16="http://schemas.microsoft.com/office/drawing/2014/main" id="{CB75B596-7555-5B4F-DF74-617748FE1F4E}"/>
               </a:ext>
             </a:extLst>
           </p:cNvPr>
-          <p:cNvSpPr txBox="1"/>
-          <p:nvPr/>
+          <p:cNvSpPr>
+            <a:spLocks noGrp="1"/>
+          </p:cNvSpPr>
+          <p:nvPr>
+            <p:ph idx="1"/>
+          </p:nvPr>
         </p:nvSpPr>
         <p:spPr>
           <a:xfrm>
-            <a:off x="685801" y="2438400"/>
-            <a:ext cx="6293068" cy="461665"/>
+            <a:off x="685801" y="2321461"/>
+            <a:ext cx="10131425" cy="4283734"/>
           </a:xfrm>
-          <a:prstGeom prst="rect">
-            <a:avLst/>
-          </a:prstGeom>
-          <a:noFill/>
         </p:spPr>
         <p:txBody>
-          <a:bodyPr wrap="square" rtlCol="0">
-            <a:spAutoFit/>
+          <a:bodyPr>
+            <a:normAutofit lnSpcReduction="10000"/>
           </a:bodyPr>
           <a:lstStyle/>
           <a:p>
-            <a:r>
-              <a:rPr lang="en-US" sz="2400" dirty="0">
-                <a:latin typeface="Gill Sans MT" panose="020B0502020104020203" pitchFamily="34" charset="77"/>
-                <a:hlinkClick r:id="rId2">
-                  <a:extLst>
-                    <a:ext uri="{A12FA001-AC4F-418D-AE19-62706E023703}">
-                      <ahyp:hlinkClr xmlns:ahyp="http://schemas.microsoft.com/office/drawing/2018/hyperlinkcolor" val="tx"/>
-                    </a:ext>
-                  </a:extLst>
-                </a:hlinkClick>
+            <a:endParaRPr lang="en-GB" sz="1800" b="1" kern="100" dirty="0">
+              <a:effectLst/>
+              <a:latin typeface="Calibri" panose="020F0502020204030204" pitchFamily="34" charset="0"/>
+              <a:ea typeface="Calibri" panose="020F0502020204030204" pitchFamily="34" charset="0"/>
+              <a:cs typeface="Times New Roman" panose="02020603050405020304" pitchFamily="18" charset="0"/>
+            </a:endParaRPr>
+          </a:p>
+          <a:p>
+            <a:r>
+              <a:rPr lang="en-GB" kern="100" dirty="0">
+                <a:latin typeface="Calibri" panose="020F0502020204030204" pitchFamily="34" charset="0"/>
+                <a:ea typeface="Calibri" panose="020F0502020204030204" pitchFamily="34" charset="0"/>
+                <a:cs typeface="Times New Roman" panose="02020603050405020304" pitchFamily="18" charset="0"/>
               </a:rPr>
-              <a:t>https://github.com/nabury/shiny-masterclass</a:t>
-            </a:r>
-            <a:endParaRPr lang="en-US" sz="2400" dirty="0">
-              <a:latin typeface="Gill Sans MT" panose="020B0502020104020203" pitchFamily="34" charset="77"/>
+              <a:t>Spend 10-15 minutes planning your app. Then you will share in small groups and get feedback before you start coding.</a:t>
+            </a:r>
+          </a:p>
+          <a:p>
+            <a:endParaRPr lang="en-GB" kern="100" dirty="0">
+              <a:latin typeface="Calibri" panose="020F0502020204030204" pitchFamily="34" charset="0"/>
+              <a:ea typeface="Calibri" panose="020F0502020204030204" pitchFamily="34" charset="0"/>
+              <a:cs typeface="Times New Roman" panose="02020603050405020304" pitchFamily="18" charset="0"/>
             </a:endParaRPr>
+          </a:p>
+          <a:p>
+            <a:r>
+              <a:rPr lang="en-GB" sz="1800" b="1" kern="100" dirty="0">
+                <a:effectLst/>
+                <a:latin typeface="Calibri" panose="020F0502020204030204" pitchFamily="34" charset="0"/>
+                <a:ea typeface="Calibri" panose="020F0502020204030204" pitchFamily="34" charset="0"/>
+                <a:cs typeface="Times New Roman" panose="02020603050405020304" pitchFamily="18" charset="0"/>
+              </a:rPr>
+              <a:t>Step 1: </a:t>
+            </a:r>
+            <a:r>
+              <a:rPr lang="en-GB" sz="1800" kern="100" dirty="0">
+                <a:effectLst/>
+                <a:latin typeface="Calibri" panose="020F0502020204030204" pitchFamily="34" charset="0"/>
+                <a:ea typeface="Calibri" panose="020F0502020204030204" pitchFamily="34" charset="0"/>
+                <a:cs typeface="Times New Roman" panose="02020603050405020304" pitchFamily="18" charset="0"/>
+              </a:rPr>
+              <a:t>Have a look at the ‘penguins’ dataset and decide on a question that you would like to explore using the data</a:t>
+            </a:r>
+          </a:p>
+          <a:p>
+            <a:pPr marL="0" indent="0">
+              <a:buNone/>
+            </a:pPr>
+            <a:r>
+              <a:rPr lang="en-GB" sz="1800" kern="100" dirty="0">
+                <a:effectLst/>
+                <a:latin typeface="Calibri" panose="020F0502020204030204" pitchFamily="34" charset="0"/>
+                <a:ea typeface="Calibri" panose="020F0502020204030204" pitchFamily="34" charset="0"/>
+                <a:cs typeface="Times New Roman" panose="02020603050405020304" pitchFamily="18" charset="0"/>
+              </a:rPr>
+              <a:t> </a:t>
+            </a:r>
+          </a:p>
+          <a:p>
+            <a:r>
+              <a:rPr lang="en-GB" sz="1800" b="1" kern="100" dirty="0">
+                <a:effectLst/>
+                <a:latin typeface="Calibri" panose="020F0502020204030204" pitchFamily="34" charset="0"/>
+                <a:ea typeface="Calibri" panose="020F0502020204030204" pitchFamily="34" charset="0"/>
+                <a:cs typeface="Times New Roman" panose="02020603050405020304" pitchFamily="18" charset="0"/>
+              </a:rPr>
+              <a:t>Step 2: </a:t>
+            </a:r>
+            <a:r>
+              <a:rPr lang="en-GB" sz="1800" kern="100" dirty="0">
+                <a:effectLst/>
+                <a:latin typeface="Calibri" panose="020F0502020204030204" pitchFamily="34" charset="0"/>
+                <a:ea typeface="Calibri" panose="020F0502020204030204" pitchFamily="34" charset="0"/>
+                <a:cs typeface="Times New Roman" panose="02020603050405020304" pitchFamily="18" charset="0"/>
+              </a:rPr>
+              <a:t>Spend a few minutes sketching out the layout of your app, what inputs and outputs you will produce and where they will be displayed in the app. </a:t>
+            </a:r>
+          </a:p>
+          <a:p>
+            <a:pPr marL="0" indent="0">
+              <a:buNone/>
+            </a:pPr>
+            <a:endParaRPr lang="en-GB" sz="1800" kern="100" dirty="0">
+              <a:effectLst/>
+              <a:latin typeface="Calibri" panose="020F0502020204030204" pitchFamily="34" charset="0"/>
+              <a:ea typeface="Calibri" panose="020F0502020204030204" pitchFamily="34" charset="0"/>
+              <a:cs typeface="Times New Roman" panose="02020603050405020304" pitchFamily="18" charset="0"/>
+            </a:endParaRPr>
+          </a:p>
+          <a:p>
+            <a:r>
+              <a:rPr lang="en-GB" sz="1800" b="1" kern="100" dirty="0">
+                <a:effectLst/>
+                <a:latin typeface="Calibri" panose="020F0502020204030204" pitchFamily="34" charset="0"/>
+                <a:ea typeface="Calibri" panose="020F0502020204030204" pitchFamily="34" charset="0"/>
+                <a:cs typeface="Times New Roman" panose="02020603050405020304" pitchFamily="18" charset="0"/>
+              </a:rPr>
+              <a:t>Step 3: </a:t>
+            </a:r>
+            <a:r>
+              <a:rPr lang="en-GB" sz="1800" kern="100" dirty="0">
+                <a:effectLst/>
+                <a:latin typeface="Calibri" panose="020F0502020204030204" pitchFamily="34" charset="0"/>
+                <a:ea typeface="Calibri" panose="020F0502020204030204" pitchFamily="34" charset="0"/>
+                <a:cs typeface="Times New Roman" panose="02020603050405020304" pitchFamily="18" charset="0"/>
+              </a:rPr>
+              <a:t>Think about the flow of reactivity in the app. You may also want to create a diagram like those shown in the reactivity section.</a:t>
+            </a:r>
+          </a:p>
+          <a:p>
+            <a:endParaRPr lang="en-GB" kern="100" dirty="0">
+              <a:latin typeface="Calibri" panose="020F0502020204030204" pitchFamily="34" charset="0"/>
+              <a:ea typeface="Calibri" panose="020F0502020204030204" pitchFamily="34" charset="0"/>
+              <a:cs typeface="Times New Roman" panose="02020603050405020304" pitchFamily="18" charset="0"/>
+            </a:endParaRPr>
+          </a:p>
+          <a:p>
+            <a:pPr marL="0" indent="0">
+              <a:buNone/>
+            </a:pPr>
+            <a:endParaRPr lang="en-GB" sz="1800" kern="100" dirty="0">
+              <a:effectLst/>
+              <a:latin typeface="Calibri" panose="020F0502020204030204" pitchFamily="34" charset="0"/>
+              <a:ea typeface="Calibri" panose="020F0502020204030204" pitchFamily="34" charset="0"/>
+              <a:cs typeface="Times New Roman" panose="02020603050405020304" pitchFamily="18" charset="0"/>
+            </a:endParaRPr>
+          </a:p>
+          <a:p>
+            <a:pPr marL="0" lvl="0" indent="0">
+              <a:buNone/>
+            </a:pPr>
+            <a:endParaRPr lang="en-GB" sz="1800" kern="100" dirty="0">
+              <a:effectLst/>
+              <a:latin typeface="Calibri" panose="020F0502020204030204" pitchFamily="34" charset="0"/>
+              <a:ea typeface="Calibri" panose="020F0502020204030204" pitchFamily="34" charset="0"/>
+              <a:cs typeface="Times New Roman" panose="02020603050405020304" pitchFamily="18" charset="0"/>
+            </a:endParaRPr>
+          </a:p>
+          <a:p>
+            <a:endParaRPr lang="en-US" dirty="0"/>
           </a:p>
         </p:txBody>
       </p:sp>
     </p:spTree>
     <p:extLst>
       <p:ext uri="{BB962C8B-B14F-4D97-AF65-F5344CB8AC3E}">
-        <p14:creationId xmlns:p14="http://schemas.microsoft.com/office/powerpoint/2010/main" val="121551038"/>
+        <p14:creationId xmlns:p14="http://schemas.microsoft.com/office/powerpoint/2010/main" val="3710484504"/>
       </p:ext>
     </p:extLst>
   </p:cSld>
@@ -8440,4 +9314,319 @@
     </a:ext>
   </a:extLst>
 </a:theme>
+</file>
+
+<file path=ppt/theme/theme2.xml><?xml version="1.0" encoding="utf-8"?>
+<a:theme xmlns:a="http://schemas.openxmlformats.org/drawingml/2006/main" name="Office Theme">
+  <a:themeElements>
+    <a:clrScheme name="Office">
+      <a:dk1>
+        <a:sysClr val="windowText" lastClr="000000"/>
+      </a:dk1>
+      <a:lt1>
+        <a:sysClr val="window" lastClr="FFFFFF"/>
+      </a:lt1>
+      <a:dk2>
+        <a:srgbClr val="0E2841"/>
+      </a:dk2>
+      <a:lt2>
+        <a:srgbClr val="E8E8E8"/>
+      </a:lt2>
+      <a:accent1>
+        <a:srgbClr val="156082"/>
+      </a:accent1>
+      <a:accent2>
+        <a:srgbClr val="E97132"/>
+      </a:accent2>
+      <a:accent3>
+        <a:srgbClr val="196B24"/>
+      </a:accent3>
+      <a:accent4>
+        <a:srgbClr val="0F9ED5"/>
+      </a:accent4>
+      <a:accent5>
+        <a:srgbClr val="A02B93"/>
+      </a:accent5>
+      <a:accent6>
+        <a:srgbClr val="4EA72E"/>
+      </a:accent6>
+      <a:hlink>
+        <a:srgbClr val="467886"/>
+      </a:hlink>
+      <a:folHlink>
+        <a:srgbClr val="96607D"/>
+      </a:folHlink>
+    </a:clrScheme>
+    <a:fontScheme name="Office">
+      <a:majorFont>
+        <a:latin typeface="Aptos Display" panose="02110004020202020204"/>
+        <a:ea typeface=""/>
+        <a:cs typeface=""/>
+        <a:font script="Jpan" typeface="游ゴシック Light"/>
+        <a:font script="Hang" typeface="맑은 고딕"/>
+        <a:font script="Hans" typeface="等线 Light"/>
+        <a:font script="Hant" typeface="新細明體"/>
+        <a:font script="Arab" typeface="Times New Roman"/>
+        <a:font script="Hebr" typeface="Times New Roman"/>
+        <a:font script="Thai" typeface="Angsana New"/>
+        <a:font script="Ethi" typeface="Nyala"/>
+        <a:font script="Beng" typeface="Vrinda"/>
+        <a:font script="Gujr" typeface="Shruti"/>
+        <a:font script="Khmr" typeface="MoolBoran"/>
+        <a:font script="Knda" typeface="Tunga"/>
+        <a:font script="Guru" typeface="Raavi"/>
+        <a:font script="Cans" typeface="Euphemia"/>
+        <a:font script="Cher" typeface="Plantagenet Cherokee"/>
+        <a:font script="Yiii" typeface="Microsoft Yi Baiti"/>
+        <a:font script="Tibt" typeface="Microsoft Himalaya"/>
+        <a:font script="Thaa" typeface="MV Boli"/>
+        <a:font script="Deva" typeface="Mangal"/>
+        <a:font script="Telu" typeface="Gautami"/>
+        <a:font script="Taml" typeface="Latha"/>
+        <a:font script="Syrc" typeface="Estrangelo Edessa"/>
+        <a:font script="Orya" typeface="Kalinga"/>
+        <a:font script="Mlym" typeface="Kartika"/>
+        <a:font script="Laoo" typeface="DokChampa"/>
+        <a:font script="Sinh" typeface="Iskoola Pota"/>
+        <a:font script="Mong" typeface="Mongolian Baiti"/>
+        <a:font script="Viet" typeface="Times New Roman"/>
+        <a:font script="Uigh" typeface="Microsoft Uighur"/>
+        <a:font script="Geor" typeface="Sylfaen"/>
+        <a:font script="Armn" typeface="Arial"/>
+        <a:font script="Bugi" typeface="Leelawadee UI"/>
+        <a:font script="Bopo" typeface="Microsoft JhengHei"/>
+        <a:font script="Java" typeface="Javanese Text"/>
+        <a:font script="Lisu" typeface="Segoe UI"/>
+        <a:font script="Mymr" typeface="Myanmar Text"/>
+        <a:font script="Nkoo" typeface="Ebrima"/>
+        <a:font script="Olck" typeface="Nirmala UI"/>
+        <a:font script="Osma" typeface="Ebrima"/>
+        <a:font script="Phag" typeface="Phagspa"/>
+        <a:font script="Syrn" typeface="Estrangelo Edessa"/>
+        <a:font script="Syrj" typeface="Estrangelo Edessa"/>
+        <a:font script="Syre" typeface="Estrangelo Edessa"/>
+        <a:font script="Sora" typeface="Nirmala UI"/>
+        <a:font script="Tale" typeface="Microsoft Tai Le"/>
+        <a:font script="Talu" typeface="Microsoft New Tai Lue"/>
+        <a:font script="Tfng" typeface="Ebrima"/>
+      </a:majorFont>
+      <a:minorFont>
+        <a:latin typeface="Aptos" panose="02110004020202020204"/>
+        <a:ea typeface=""/>
+        <a:cs typeface=""/>
+        <a:font script="Jpan" typeface="游ゴシック"/>
+        <a:font script="Hang" typeface="맑은 고딕"/>
+        <a:font script="Hans" typeface="等线"/>
+        <a:font script="Hant" typeface="新細明體"/>
+        <a:font script="Arab" typeface="Arial"/>
+        <a:font script="Hebr" typeface="Arial"/>
+        <a:font script="Thai" typeface="Cordia New"/>
+        <a:font script="Ethi" typeface="Nyala"/>
+        <a:font script="Beng" typeface="Vrinda"/>
+        <a:font script="Gujr" typeface="Shruti"/>
+        <a:font script="Khmr" typeface="DaunPenh"/>
+        <a:font script="Knda" typeface="Tunga"/>
+        <a:font script="Guru" typeface="Raavi"/>
+        <a:font script="Cans" typeface="Euphemia"/>
+        <a:font script="Cher" typeface="Plantagenet Cherokee"/>
+        <a:font script="Yiii" typeface="Microsoft Yi Baiti"/>
+        <a:font script="Tibt" typeface="Microsoft Himalaya"/>
+        <a:font script="Thaa" typeface="MV Boli"/>
+        <a:font script="Deva" typeface="Mangal"/>
+        <a:font script="Telu" typeface="Gautami"/>
+        <a:font script="Taml" typeface="Latha"/>
+        <a:font script="Syrc" typeface="Estrangelo Edessa"/>
+        <a:font script="Orya" typeface="Kalinga"/>
+        <a:font script="Mlym" typeface="Kartika"/>
+        <a:font script="Laoo" typeface="DokChampa"/>
+        <a:font script="Sinh" typeface="Iskoola Pota"/>
+        <a:font script="Mong" typeface="Mongolian Baiti"/>
+        <a:font script="Viet" typeface="Arial"/>
+        <a:font script="Uigh" typeface="Microsoft Uighur"/>
+        <a:font script="Geor" typeface="Sylfaen"/>
+        <a:font script="Armn" typeface="Arial"/>
+        <a:font script="Bugi" typeface="Leelawadee UI"/>
+        <a:font script="Bopo" typeface="Microsoft JhengHei"/>
+        <a:font script="Java" typeface="Javanese Text"/>
+        <a:font script="Lisu" typeface="Segoe UI"/>
+        <a:font script="Mymr" typeface="Myanmar Text"/>
+        <a:font script="Nkoo" typeface="Ebrima"/>
+        <a:font script="Olck" typeface="Nirmala UI"/>
+        <a:font script="Osma" typeface="Ebrima"/>
+        <a:font script="Phag" typeface="Phagspa"/>
+        <a:font script="Syrn" typeface="Estrangelo Edessa"/>
+        <a:font script="Syrj" typeface="Estrangelo Edessa"/>
+        <a:font script="Syre" typeface="Estrangelo Edessa"/>
+        <a:font script="Sora" typeface="Nirmala UI"/>
+        <a:font script="Tale" typeface="Microsoft Tai Le"/>
+        <a:font script="Talu" typeface="Microsoft New Tai Lue"/>
+        <a:font script="Tfng" typeface="Ebrima"/>
+      </a:minorFont>
+    </a:fontScheme>
+    <a:fmtScheme name="Office">
+      <a:fillStyleLst>
+        <a:solidFill>
+          <a:schemeClr val="phClr"/>
+        </a:solidFill>
+        <a:gradFill rotWithShape="1">
+          <a:gsLst>
+            <a:gs pos="0">
+              <a:schemeClr val="phClr">
+                <a:lumMod val="110000"/>
+                <a:satMod val="105000"/>
+                <a:tint val="67000"/>
+              </a:schemeClr>
+            </a:gs>
+            <a:gs pos="50000">
+              <a:schemeClr val="phClr">
+                <a:lumMod val="105000"/>
+                <a:satMod val="103000"/>
+                <a:tint val="73000"/>
+              </a:schemeClr>
+            </a:gs>
+            <a:gs pos="100000">
+              <a:schemeClr val="phClr">
+                <a:lumMod val="105000"/>
+                <a:satMod val="109000"/>
+                <a:tint val="81000"/>
+              </a:schemeClr>
+            </a:gs>
+          </a:gsLst>
+          <a:lin ang="5400000" scaled="0"/>
+        </a:gradFill>
+        <a:gradFill rotWithShape="1">
+          <a:gsLst>
+            <a:gs pos="0">
+              <a:schemeClr val="phClr">
+                <a:satMod val="103000"/>
+                <a:lumMod val="102000"/>
+                <a:tint val="94000"/>
+              </a:schemeClr>
+            </a:gs>
+            <a:gs pos="50000">
+              <a:schemeClr val="phClr">
+                <a:satMod val="110000"/>
+                <a:lumMod val="100000"/>
+                <a:shade val="100000"/>
+              </a:schemeClr>
+            </a:gs>
+            <a:gs pos="100000">
+              <a:schemeClr val="phClr">
+                <a:lumMod val="99000"/>
+                <a:satMod val="120000"/>
+                <a:shade val="78000"/>
+              </a:schemeClr>
+            </a:gs>
+          </a:gsLst>
+          <a:lin ang="5400000" scaled="0"/>
+        </a:gradFill>
+      </a:fillStyleLst>
+      <a:lnStyleLst>
+        <a:ln w="12700" cap="flat" cmpd="sng" algn="ctr">
+          <a:solidFill>
+            <a:schemeClr val="phClr"/>
+          </a:solidFill>
+          <a:prstDash val="solid"/>
+          <a:miter lim="800000"/>
+        </a:ln>
+        <a:ln w="19050" cap="flat" cmpd="sng" algn="ctr">
+          <a:solidFill>
+            <a:schemeClr val="phClr"/>
+          </a:solidFill>
+          <a:prstDash val="solid"/>
+          <a:miter lim="800000"/>
+        </a:ln>
+        <a:ln w="25400" cap="flat" cmpd="sng" algn="ctr">
+          <a:solidFill>
+            <a:schemeClr val="phClr"/>
+          </a:solidFill>
+          <a:prstDash val="solid"/>
+          <a:miter lim="800000"/>
+        </a:ln>
+      </a:lnStyleLst>
+      <a:effectStyleLst>
+        <a:effectStyle>
+          <a:effectLst/>
+        </a:effectStyle>
+        <a:effectStyle>
+          <a:effectLst/>
+        </a:effectStyle>
+        <a:effectStyle>
+          <a:effectLst>
+            <a:outerShdw blurRad="57150" dist="19050" dir="5400000" algn="ctr" rotWithShape="0">
+              <a:srgbClr val="000000">
+                <a:alpha val="63000"/>
+              </a:srgbClr>
+            </a:outerShdw>
+          </a:effectLst>
+        </a:effectStyle>
+      </a:effectStyleLst>
+      <a:bgFillStyleLst>
+        <a:solidFill>
+          <a:schemeClr val="phClr"/>
+        </a:solidFill>
+        <a:solidFill>
+          <a:schemeClr val="phClr">
+            <a:tint val="95000"/>
+            <a:satMod val="170000"/>
+          </a:schemeClr>
+        </a:solidFill>
+        <a:gradFill rotWithShape="1">
+          <a:gsLst>
+            <a:gs pos="0">
+              <a:schemeClr val="phClr">
+                <a:tint val="93000"/>
+                <a:satMod val="150000"/>
+                <a:shade val="98000"/>
+                <a:lumMod val="102000"/>
+              </a:schemeClr>
+            </a:gs>
+            <a:gs pos="50000">
+              <a:schemeClr val="phClr">
+                <a:tint val="98000"/>
+                <a:satMod val="130000"/>
+                <a:shade val="90000"/>
+                <a:lumMod val="103000"/>
+              </a:schemeClr>
+            </a:gs>
+            <a:gs pos="100000">
+              <a:schemeClr val="phClr">
+                <a:shade val="63000"/>
+                <a:satMod val="120000"/>
+              </a:schemeClr>
+            </a:gs>
+          </a:gsLst>
+          <a:lin ang="5400000" scaled="0"/>
+        </a:gradFill>
+      </a:bgFillStyleLst>
+    </a:fmtScheme>
+  </a:themeElements>
+  <a:objectDefaults>
+    <a:lnDef>
+      <a:spPr/>
+      <a:bodyPr/>
+      <a:lstStyle/>
+      <a:style>
+        <a:lnRef idx="2">
+          <a:schemeClr val="accent1"/>
+        </a:lnRef>
+        <a:fillRef idx="0">
+          <a:schemeClr val="accent1"/>
+        </a:fillRef>
+        <a:effectRef idx="1">
+          <a:schemeClr val="accent1"/>
+        </a:effectRef>
+        <a:fontRef idx="minor">
+          <a:schemeClr val="tx1"/>
+        </a:fontRef>
+      </a:style>
+    </a:lnDef>
+  </a:objectDefaults>
+  <a:extraClrSchemeLst/>
+  <a:extLst>
+    <a:ext uri="{05A4C25C-085E-4340-85A3-A5531E510DB2}">
+      <thm15:themeFamily xmlns:thm15="http://schemas.microsoft.com/office/thememl/2012/main" name="Office Theme" id="{2E142A2C-CD16-42D6-873A-C26D2A0506FA}" vid="{1BDDFF52-6CD6-40A5-AB3C-68EB2F1E4D0A}"/>
+    </a:ext>
+  </a:extLst>
+</a:theme>
 </file>